--- a/2.3.1 - Escolha um programa razoavelmente grande em C ou Java/2.3.1 - ESQUEMA MEMORIA 2.pptx
+++ b/2.3.1 - Escolha um programa razoavelmente grande em C ou Java/2.3.1 - ESQUEMA MEMORIA 2.pptx
@@ -3781,7 +3781,7 @@
         <p:spPr>
           <a:xfrm>
             <a:off x="7263685" y="5808165"/>
-            <a:ext cx="4481848" cy="1200329"/>
+            <a:ext cx="4481848" cy="923330"/>
           </a:xfrm>
           <a:prstGeom prst="rect">
             <a:avLst/>
@@ -3828,11 +3828,20 @@
             </a:r>
             <a:r>
               <a:rPr lang="pt-BR" dirty="0" smtClean="0"/>
-              <a:t>  vai ter um tempo de vida longo.</a:t>
-            </a:r>
-            <a:endParaRPr lang="pt-BR" dirty="0"/>
-          </a:p>
-          <a:p>
+              <a:t>  vai ter um tempo de vida </a:t>
+            </a:r>
+            <a:r>
+              <a:rPr lang="pt-BR" dirty="0" smtClean="0"/>
+              <a:t>longo, porque a função é do tipo </a:t>
+            </a:r>
+            <a:r>
+              <a:rPr lang="pt-BR" dirty="0" err="1" smtClean="0"/>
+              <a:t>static</a:t>
+            </a:r>
+            <a:r>
+              <a:rPr lang="pt-BR" dirty="0" smtClean="0"/>
+              <a:t>.</a:t>
+            </a:r>
             <a:endParaRPr lang="pt-BR" dirty="0"/>
           </a:p>
         </p:txBody>
@@ -3905,7 +3914,7 @@
         </p:nvSpPr>
         <p:spPr>
           <a:xfrm>
-            <a:off x="682580" y="1545465"/>
+            <a:off x="785611" y="1502260"/>
             <a:ext cx="11178861" cy="1477328"/>
           </a:xfrm>
           <a:prstGeom prst="rect">
